--- a/EOE_A_introduction/thumbnail.pptx
+++ b/EOE_A_introduction/thumbnail.pptx
@@ -252,7 +252,7 @@
           <a:p>
             <a:fld id="{1E170172-340B-4B52-B417-1FBE1CA75F6E}" type="datetimeFigureOut">
               <a:rPr lang="zh-CN" altLang="en-US" smtClean="0"/>
-              <a:t>2021/12/5</a:t>
+              <a:t>2022/2/6</a:t>
             </a:fld>
             <a:endParaRPr lang="zh-CN" altLang="en-US"/>
           </a:p>
@@ -422,7 +422,7 @@
           <a:p>
             <a:fld id="{1E170172-340B-4B52-B417-1FBE1CA75F6E}" type="datetimeFigureOut">
               <a:rPr lang="zh-CN" altLang="en-US" smtClean="0"/>
-              <a:t>2021/12/5</a:t>
+              <a:t>2022/2/6</a:t>
             </a:fld>
             <a:endParaRPr lang="zh-CN" altLang="en-US"/>
           </a:p>
@@ -602,7 +602,7 @@
           <a:p>
             <a:fld id="{1E170172-340B-4B52-B417-1FBE1CA75F6E}" type="datetimeFigureOut">
               <a:rPr lang="zh-CN" altLang="en-US" smtClean="0"/>
-              <a:t>2021/12/5</a:t>
+              <a:t>2022/2/6</a:t>
             </a:fld>
             <a:endParaRPr lang="zh-CN" altLang="en-US"/>
           </a:p>
@@ -772,7 +772,7 @@
           <a:p>
             <a:fld id="{1E170172-340B-4B52-B417-1FBE1CA75F6E}" type="datetimeFigureOut">
               <a:rPr lang="zh-CN" altLang="en-US" smtClean="0"/>
-              <a:t>2021/12/5</a:t>
+              <a:t>2022/2/6</a:t>
             </a:fld>
             <a:endParaRPr lang="zh-CN" altLang="en-US"/>
           </a:p>
@@ -1016,7 +1016,7 @@
           <a:p>
             <a:fld id="{1E170172-340B-4B52-B417-1FBE1CA75F6E}" type="datetimeFigureOut">
               <a:rPr lang="zh-CN" altLang="en-US" smtClean="0"/>
-              <a:t>2021/12/5</a:t>
+              <a:t>2022/2/6</a:t>
             </a:fld>
             <a:endParaRPr lang="zh-CN" altLang="en-US"/>
           </a:p>
@@ -1248,7 +1248,7 @@
           <a:p>
             <a:fld id="{1E170172-340B-4B52-B417-1FBE1CA75F6E}" type="datetimeFigureOut">
               <a:rPr lang="zh-CN" altLang="en-US" smtClean="0"/>
-              <a:t>2021/12/5</a:t>
+              <a:t>2022/2/6</a:t>
             </a:fld>
             <a:endParaRPr lang="zh-CN" altLang="en-US"/>
           </a:p>
@@ -1615,7 +1615,7 @@
           <a:p>
             <a:fld id="{1E170172-340B-4B52-B417-1FBE1CA75F6E}" type="datetimeFigureOut">
               <a:rPr lang="zh-CN" altLang="en-US" smtClean="0"/>
-              <a:t>2021/12/5</a:t>
+              <a:t>2022/2/6</a:t>
             </a:fld>
             <a:endParaRPr lang="zh-CN" altLang="en-US"/>
           </a:p>
@@ -1733,7 +1733,7 @@
           <a:p>
             <a:fld id="{1E170172-340B-4B52-B417-1FBE1CA75F6E}" type="datetimeFigureOut">
               <a:rPr lang="zh-CN" altLang="en-US" smtClean="0"/>
-              <a:t>2021/12/5</a:t>
+              <a:t>2022/2/6</a:t>
             </a:fld>
             <a:endParaRPr lang="zh-CN" altLang="en-US"/>
           </a:p>
@@ -1828,7 +1828,7 @@
           <a:p>
             <a:fld id="{1E170172-340B-4B52-B417-1FBE1CA75F6E}" type="datetimeFigureOut">
               <a:rPr lang="zh-CN" altLang="en-US" smtClean="0"/>
-              <a:t>2021/12/5</a:t>
+              <a:t>2022/2/6</a:t>
             </a:fld>
             <a:endParaRPr lang="zh-CN" altLang="en-US"/>
           </a:p>
@@ -2105,7 +2105,7 @@
           <a:p>
             <a:fld id="{1E170172-340B-4B52-B417-1FBE1CA75F6E}" type="datetimeFigureOut">
               <a:rPr lang="zh-CN" altLang="en-US" smtClean="0"/>
-              <a:t>2021/12/5</a:t>
+              <a:t>2022/2/6</a:t>
             </a:fld>
             <a:endParaRPr lang="zh-CN" altLang="en-US"/>
           </a:p>
@@ -2362,7 +2362,7 @@
           <a:p>
             <a:fld id="{1E170172-340B-4B52-B417-1FBE1CA75F6E}" type="datetimeFigureOut">
               <a:rPr lang="zh-CN" altLang="en-US" smtClean="0"/>
-              <a:t>2021/12/5</a:t>
+              <a:t>2022/2/6</a:t>
             </a:fld>
             <a:endParaRPr lang="zh-CN" altLang="en-US"/>
           </a:p>
@@ -2575,7 +2575,7 @@
           <a:p>
             <a:fld id="{1E170172-340B-4B52-B417-1FBE1CA75F6E}" type="datetimeFigureOut">
               <a:rPr lang="zh-CN" altLang="en-US" smtClean="0"/>
-              <a:t>2021/12/5</a:t>
+              <a:t>2022/2/6</a:t>
             </a:fld>
             <a:endParaRPr lang="zh-CN" altLang="en-US"/>
           </a:p>
@@ -2980,62 +2980,12 @@
           <a:chExt cx="0" cy="0"/>
         </a:xfrm>
       </p:grpSpPr>
-      <p:sp>
-        <p:nvSpPr>
-          <p:cNvPr id="2" name="标题 1">
+      <p:pic>
+        <p:nvPicPr>
+          <p:cNvPr id="13" name="图片 12">
             <a:extLst>
               <a:ext uri="{FF2B5EF4-FFF2-40B4-BE49-F238E27FC236}">
-                <a16:creationId xmlns:a16="http://schemas.microsoft.com/office/drawing/2014/main" id="{DE5801C9-1706-4414-A9CC-7A6E4806A62A}"/>
-              </a:ext>
-            </a:extLst>
-          </p:cNvPr>
-          <p:cNvSpPr>
-            <a:spLocks noGrp="1"/>
-          </p:cNvSpPr>
-          <p:nvPr>
-            <p:ph type="ctrTitle"/>
-          </p:nvPr>
-        </p:nvSpPr>
-        <p:spPr/>
-        <p:txBody>
-          <a:bodyPr/>
-          <a:lstStyle/>
-          <a:p>
-            <a:endParaRPr lang="zh-CN" altLang="en-US"/>
-          </a:p>
-        </p:txBody>
-      </p:sp>
-      <p:sp>
-        <p:nvSpPr>
-          <p:cNvPr id="3" name="副标题 2">
-            <a:extLst>
-              <a:ext uri="{FF2B5EF4-FFF2-40B4-BE49-F238E27FC236}">
-                <a16:creationId xmlns:a16="http://schemas.microsoft.com/office/drawing/2014/main" id="{0DE90D02-3B89-4F05-B28E-FC45EA4DFA55}"/>
-              </a:ext>
-            </a:extLst>
-          </p:cNvPr>
-          <p:cNvSpPr>
-            <a:spLocks noGrp="1"/>
-          </p:cNvSpPr>
-          <p:nvPr>
-            <p:ph type="subTitle" idx="1"/>
-          </p:nvPr>
-        </p:nvSpPr>
-        <p:spPr/>
-        <p:txBody>
-          <a:bodyPr/>
-          <a:lstStyle/>
-          <a:p>
-            <a:endParaRPr lang="zh-CN" altLang="en-US"/>
-          </a:p>
-        </p:txBody>
-      </p:sp>
-      <p:pic>
-        <p:nvPicPr>
-          <p:cNvPr id="5" name="图片 4">
-            <a:extLst>
-              <a:ext uri="{FF2B5EF4-FFF2-40B4-BE49-F238E27FC236}">
-                <a16:creationId xmlns:a16="http://schemas.microsoft.com/office/drawing/2014/main" id="{26AE6C38-73B1-4D6D-8F85-30127DA3680C}"/>
+                <a16:creationId xmlns:a16="http://schemas.microsoft.com/office/drawing/2014/main" id="{15A24356-9A2D-4744-AB91-6109225A8BD6}"/>
               </a:ext>
             </a:extLst>
           </p:cNvPr>
@@ -3052,19 +3002,69 @@
               </a:ext>
             </a:extLst>
           </a:blip>
-          <a:srcRect l="46230" r="36635" b="52840"/>
+          <a:srcRect l="45407" r="33280" b="47901"/>
           <a:stretch/>
         </p:blipFill>
         <p:spPr>
           <a:xfrm>
-            <a:off x="3" y="-1"/>
-            <a:ext cx="10799763" cy="10799763"/>
+            <a:off x="0" y="-1"/>
+            <a:ext cx="10799763" cy="10799764"/>
           </a:xfrm>
           <a:prstGeom prst="rect">
             <a:avLst/>
           </a:prstGeom>
         </p:spPr>
       </p:pic>
+      <p:sp>
+        <p:nvSpPr>
+          <p:cNvPr id="2" name="标题 1">
+            <a:extLst>
+              <a:ext uri="{FF2B5EF4-FFF2-40B4-BE49-F238E27FC236}">
+                <a16:creationId xmlns:a16="http://schemas.microsoft.com/office/drawing/2014/main" id="{DE5801C9-1706-4414-A9CC-7A6E4806A62A}"/>
+              </a:ext>
+            </a:extLst>
+          </p:cNvPr>
+          <p:cNvSpPr>
+            <a:spLocks noGrp="1"/>
+          </p:cNvSpPr>
+          <p:nvPr>
+            <p:ph type="ctrTitle"/>
+          </p:nvPr>
+        </p:nvSpPr>
+        <p:spPr/>
+        <p:txBody>
+          <a:bodyPr/>
+          <a:lstStyle/>
+          <a:p>
+            <a:endParaRPr lang="zh-CN" altLang="en-US"/>
+          </a:p>
+        </p:txBody>
+      </p:sp>
+      <p:sp>
+        <p:nvSpPr>
+          <p:cNvPr id="3" name="副标题 2">
+            <a:extLst>
+              <a:ext uri="{FF2B5EF4-FFF2-40B4-BE49-F238E27FC236}">
+                <a16:creationId xmlns:a16="http://schemas.microsoft.com/office/drawing/2014/main" id="{0DE90D02-3B89-4F05-B28E-FC45EA4DFA55}"/>
+              </a:ext>
+            </a:extLst>
+          </p:cNvPr>
+          <p:cNvSpPr>
+            <a:spLocks noGrp="1"/>
+          </p:cNvSpPr>
+          <p:nvPr>
+            <p:ph type="subTitle" idx="1"/>
+          </p:nvPr>
+        </p:nvSpPr>
+        <p:spPr/>
+        <p:txBody>
+          <a:bodyPr/>
+          <a:lstStyle/>
+          <a:p>
+            <a:endParaRPr lang="zh-CN" altLang="en-US"/>
+          </a:p>
+        </p:txBody>
+      </p:sp>
       <p:sp>
         <p:nvSpPr>
           <p:cNvPr id="6" name="矩形 5">
@@ -3079,8 +3079,8 @@
         </p:nvSpPr>
         <p:spPr>
           <a:xfrm>
-            <a:off x="1498601" y="2882900"/>
-            <a:ext cx="9305926" cy="4784980"/>
+            <a:off x="2014685" y="2882900"/>
+            <a:ext cx="8789842" cy="5513516"/>
           </a:xfrm>
           <a:prstGeom prst="rect">
             <a:avLst/>
@@ -3133,8 +3133,8 @@
         </p:nvSpPr>
         <p:spPr>
           <a:xfrm>
-            <a:off x="1498601" y="2901509"/>
-            <a:ext cx="9449793" cy="1323439"/>
+            <a:off x="2258369" y="2943443"/>
+            <a:ext cx="6592639" cy="3416320"/>
           </a:xfrm>
           <a:prstGeom prst="rect">
             <a:avLst/>
@@ -3147,9 +3147,9 @@
           </a:bodyPr>
           <a:lstStyle/>
           <a:p>
-            <a:pPr algn="ctr" defTabSz="914369"/>
-            <a:r>
-              <a:rPr lang="en-US" altLang="zh-CN" sz="8000" b="1" spc="50" dirty="0">
+            <a:pPr defTabSz="914369"/>
+            <a:r>
+              <a:rPr lang="en-US" altLang="zh-CN" sz="7200" b="1" spc="50" dirty="0">
                 <a:ln w="0">
                   <a:solidFill>
                     <a:schemeClr val="bg1">
@@ -3175,7 +3175,71 @@
                 </a:effectLst>
                 <a:latin typeface="Arial Black" panose="020B0A04020102020204" pitchFamily="34" charset="0"/>
               </a:rPr>
-              <a:t>EOE’s MAP MOD</a:t>
+              <a:t>EOE’s </a:t>
+            </a:r>
+          </a:p>
+          <a:p>
+            <a:pPr defTabSz="914369"/>
+            <a:r>
+              <a:rPr lang="en-US" altLang="zh-CN" sz="7200" b="1" spc="50" dirty="0">
+                <a:ln w="0">
+                  <a:solidFill>
+                    <a:schemeClr val="bg1">
+                      <a:lumMod val="85000"/>
+                    </a:schemeClr>
+                  </a:solidFill>
+                </a:ln>
+                <a:solidFill>
+                  <a:srgbClr val="C00000"/>
+                </a:solidFill>
+                <a:effectLst>
+                  <a:glow rad="228600">
+                    <a:schemeClr val="accent1">
+                      <a:satMod val="175000"/>
+                      <a:alpha val="40000"/>
+                    </a:schemeClr>
+                  </a:glow>
+                  <a:innerShdw blurRad="63500" dist="50800" dir="13500000">
+                    <a:srgbClr val="000000">
+                      <a:alpha val="50000"/>
+                    </a:srgbClr>
+                  </a:innerShdw>
+                </a:effectLst>
+                <a:latin typeface="Arial Black" panose="020B0A04020102020204" pitchFamily="34" charset="0"/>
+              </a:rPr>
+              <a:t>STANDARED </a:t>
+            </a:r>
+          </a:p>
+          <a:p>
+            <a:pPr defTabSz="914369"/>
+            <a:r>
+              <a:rPr lang="en-US" altLang="zh-CN" sz="7200" b="1" spc="50" dirty="0">
+                <a:ln w="0">
+                  <a:solidFill>
+                    <a:schemeClr val="bg1">
+                      <a:lumMod val="85000"/>
+                    </a:schemeClr>
+                  </a:solidFill>
+                </a:ln>
+                <a:solidFill>
+                  <a:srgbClr val="C00000"/>
+                </a:solidFill>
+                <a:effectLst>
+                  <a:glow rad="228600">
+                    <a:schemeClr val="accent1">
+                      <a:satMod val="175000"/>
+                      <a:alpha val="40000"/>
+                    </a:schemeClr>
+                  </a:glow>
+                  <a:innerShdw blurRad="63500" dist="50800" dir="13500000">
+                    <a:srgbClr val="000000">
+                      <a:alpha val="50000"/>
+                    </a:srgbClr>
+                  </a:innerShdw>
+                </a:effectLst>
+                <a:latin typeface="Arial Black" panose="020B0A04020102020204" pitchFamily="34" charset="0"/>
+              </a:rPr>
+              <a:t>MAP MOD</a:t>
             </a:r>
           </a:p>
         </p:txBody>
@@ -3194,8 +3258,8 @@
         </p:nvSpPr>
         <p:spPr>
           <a:xfrm>
-            <a:off x="2686640" y="3992034"/>
-            <a:ext cx="8113119" cy="3662541"/>
+            <a:off x="2073324" y="6193901"/>
+            <a:ext cx="8789842" cy="2308324"/>
           </a:xfrm>
           <a:prstGeom prst="rect">
             <a:avLst/>
@@ -3210,16 +3274,16 @@
           <a:p>
             <a:pPr algn="just"/>
             <a:r>
-              <a:rPr lang="en-US" altLang="zh-CN" sz="4400" dirty="0">
+              <a:rPr lang="en-US" altLang="zh-CN" sz="7200" dirty="0">
                 <a:solidFill>
                   <a:srgbClr val="C00000"/>
                 </a:solidFill>
                 <a:latin typeface="Arial Black" panose="020B0A04020102020204" pitchFamily="34" charset="0"/>
               </a:rPr>
-              <a:t>10000+</a:t>
-            </a:r>
-            <a:r>
-              <a:rPr lang="en-US" altLang="zh-CN" sz="4400" dirty="0">
+              <a:t>1200%</a:t>
+            </a:r>
+            <a:r>
+              <a:rPr lang="en-US" altLang="zh-CN" sz="7200" dirty="0">
                 <a:solidFill>
                   <a:schemeClr val="accent2"/>
                 </a:solidFill>
@@ -3228,7 +3292,7 @@
               <a:t> </a:t>
             </a:r>
             <a:r>
-              <a:rPr lang="en-US" altLang="zh-CN" sz="4400" dirty="0">
+              <a:rPr lang="en-US" altLang="zh-CN" sz="7200" dirty="0">
                 <a:solidFill>
                   <a:schemeClr val="tx1">
                     <a:lumMod val="85000"/>
@@ -3237,40 +3301,31 @@
                 </a:solidFill>
                 <a:latin typeface="Arial Black" panose="020B0A04020102020204" pitchFamily="34" charset="0"/>
               </a:rPr>
-              <a:t>States			</a:t>
-            </a:r>
-            <a:r>
-              <a:rPr lang="en-US" altLang="zh-CN" sz="4400" dirty="0">
-                <a:solidFill>
-                  <a:schemeClr val="accent2"/>
-                </a:solidFill>
-                <a:latin typeface="Arial Black" panose="020B0A04020102020204" pitchFamily="34" charset="0"/>
-              </a:rPr>
-              <a:t>1200%</a:t>
+              <a:t>States</a:t>
             </a:r>
           </a:p>
           <a:p>
             <a:pPr algn="just"/>
             <a:r>
-              <a:rPr lang="en-US" altLang="zh-CN" sz="4400" dirty="0">
+              <a:rPr lang="en-US" altLang="zh-CN" sz="7200">
                 <a:solidFill>
                   <a:srgbClr val="C00000"/>
                 </a:solidFill>
                 <a:latin typeface="Arial Black" panose="020B0A04020102020204" pitchFamily="34" charset="0"/>
               </a:rPr>
-              <a:t>19000+</a:t>
-            </a:r>
-            <a:r>
-              <a:rPr lang="en-US" altLang="zh-CN" sz="4400" dirty="0">
+              <a:t>18000</a:t>
+            </a:r>
+            <a:r>
+              <a:rPr lang="en-US" altLang="zh-CN" sz="7200" dirty="0">
                 <a:solidFill>
-                  <a:schemeClr val="accent2"/>
+                  <a:srgbClr val="C00000"/>
                 </a:solidFill>
                 <a:latin typeface="Arial Black" panose="020B0A04020102020204" pitchFamily="34" charset="0"/>
               </a:rPr>
-              <a:t> </a:t>
-            </a:r>
-            <a:r>
-              <a:rPr lang="en-US" altLang="zh-CN" sz="4400" dirty="0">
+              <a:t>+</a:t>
+            </a:r>
+            <a:r>
+              <a:rPr lang="en-US" altLang="zh-CN" sz="7200" dirty="0">
                 <a:solidFill>
                   <a:schemeClr val="tx1">
                     <a:lumMod val="85000"/>
@@ -3279,86 +3334,8 @@
                 </a:solidFill>
                 <a:latin typeface="Arial Black" panose="020B0A04020102020204" pitchFamily="34" charset="0"/>
               </a:rPr>
-              <a:t>Provinces	</a:t>
-            </a:r>
-            <a:r>
-              <a:rPr lang="en-US" altLang="zh-CN" sz="4400" dirty="0">
-                <a:solidFill>
-                  <a:schemeClr val="accent2"/>
-                </a:solidFill>
-                <a:latin typeface="Arial Black" panose="020B0A04020102020204" pitchFamily="34" charset="0"/>
-              </a:rPr>
-              <a:t>150%</a:t>
-            </a:r>
-          </a:p>
-          <a:p>
-            <a:pPr algn="just"/>
-            <a:r>
-              <a:rPr lang="en-US" altLang="zh-CN" sz="3600" dirty="0">
-                <a:solidFill>
-                  <a:schemeClr val="tx1">
-                    <a:lumMod val="85000"/>
-                    <a:lumOff val="15000"/>
-                  </a:schemeClr>
-                </a:solidFill>
-                <a:latin typeface="Arial Black" panose="020B0A04020102020204" pitchFamily="34" charset="0"/>
-              </a:rPr>
-              <a:t>More Straits</a:t>
-            </a:r>
-          </a:p>
-          <a:p>
-            <a:pPr algn="just"/>
-            <a:r>
-              <a:rPr lang="en-US" altLang="zh-CN" sz="3600" dirty="0">
-                <a:solidFill>
-                  <a:schemeClr val="tx1">
-                    <a:lumMod val="85000"/>
-                    <a:lumOff val="15000"/>
-                  </a:schemeClr>
-                </a:solidFill>
-                <a:latin typeface="Arial Black" panose="020B0A04020102020204" pitchFamily="34" charset="0"/>
-              </a:rPr>
-              <a:t>More Resources</a:t>
-            </a:r>
-          </a:p>
-          <a:p>
-            <a:pPr algn="just"/>
-            <a:r>
-              <a:rPr lang="en-US" altLang="zh-CN" sz="3600" dirty="0">
-                <a:solidFill>
-                  <a:schemeClr val="tx1">
-                    <a:lumMod val="85000"/>
-                    <a:lumOff val="15000"/>
-                  </a:schemeClr>
-                </a:solidFill>
-                <a:latin typeface="Arial Black" panose="020B0A04020102020204" pitchFamily="34" charset="0"/>
-              </a:rPr>
-              <a:t>More Victory Points</a:t>
-            </a:r>
-          </a:p>
-          <a:p>
-            <a:pPr algn="just"/>
-            <a:r>
-              <a:rPr lang="en-US" altLang="zh-CN" sz="3600" dirty="0">
-                <a:solidFill>
-                  <a:schemeClr val="tx1">
-                    <a:lumMod val="85000"/>
-                    <a:lumOff val="15000"/>
-                  </a:schemeClr>
-                </a:solidFill>
-                <a:latin typeface="Arial Black" panose="020B0A04020102020204" pitchFamily="34" charset="0"/>
-              </a:rPr>
-              <a:t>More Tiles for Urban</a:t>
-            </a:r>
-            <a:endParaRPr lang="zh-CN" altLang="en-US" sz="3600" dirty="0">
-              <a:solidFill>
-                <a:schemeClr val="tx1">
-                  <a:lumMod val="85000"/>
-                  <a:lumOff val="15000"/>
-                </a:schemeClr>
-              </a:solidFill>
-              <a:latin typeface="Arial Black" panose="020B0A04020102020204" pitchFamily="34" charset="0"/>
-            </a:endParaRPr>
+              <a:t>Provinces</a:t>
+            </a:r>
           </a:p>
         </p:txBody>
       </p:sp>
@@ -3376,8 +3353,8 @@
         </p:nvSpPr>
         <p:spPr>
           <a:xfrm>
-            <a:off x="8496277" y="10179763"/>
-            <a:ext cx="2177199" cy="461665"/>
+            <a:off x="7879335" y="10107657"/>
+            <a:ext cx="2836033" cy="584775"/>
           </a:xfrm>
           <a:prstGeom prst="rect">
             <a:avLst/>
@@ -3391,7 +3368,10 @@
           <a:lstStyle/>
           <a:p>
             <a:r>
-              <a:rPr lang="en-US" altLang="zh-CN" sz="1200" dirty="0">
+              <a:rPr lang="en-US" altLang="zh-CN" sz="1600" dirty="0">
+                <a:solidFill>
+                  <a:schemeClr val="bg1"/>
+                </a:solidFill>
                 <a:latin typeface="Ink Free" panose="03080402000500000000" pitchFamily="66" charset="0"/>
               </a:rPr>
               <a:t>*You need a powerful computer</a:t>
@@ -3399,47 +3379,98 @@
           </a:p>
           <a:p>
             <a:r>
-              <a:rPr lang="en-US" altLang="zh-CN" sz="1200" dirty="0">
+              <a:rPr lang="en-US" altLang="zh-CN" sz="1600" dirty="0">
+                <a:solidFill>
+                  <a:schemeClr val="bg1"/>
+                </a:solidFill>
                 <a:latin typeface="Ink Free" panose="03080402000500000000" pitchFamily="66" charset="0"/>
               </a:rPr>
-              <a:t>Powered by PowerPoint</a:t>
-            </a:r>
-            <a:endParaRPr lang="zh-CN" altLang="en-US" sz="1200" dirty="0">
+              <a:t>*Powered by PowerPoint</a:t>
+            </a:r>
+            <a:endParaRPr lang="zh-CN" altLang="en-US" sz="1600" dirty="0">
+              <a:solidFill>
+                <a:schemeClr val="bg1"/>
+              </a:solidFill>
               <a:latin typeface="Ink Free" panose="03080402000500000000" pitchFamily="66" charset="0"/>
             </a:endParaRPr>
           </a:p>
         </p:txBody>
       </p:sp>
-      <p:sp>
-        <p:nvSpPr>
-          <p:cNvPr id="4" name="文本框 3">
+      <p:grpSp>
+        <p:nvGrpSpPr>
+          <p:cNvPr id="9" name="组合 8">
             <a:extLst>
               <a:ext uri="{FF2B5EF4-FFF2-40B4-BE49-F238E27FC236}">
-                <a16:creationId xmlns:a16="http://schemas.microsoft.com/office/drawing/2014/main" id="{685E0ED0-B2C2-4000-B297-83A912F2E4A7}"/>
+                <a16:creationId xmlns:a16="http://schemas.microsoft.com/office/drawing/2014/main" id="{659DF39E-752D-47C5-AFEC-D6C612D49771}"/>
               </a:ext>
             </a:extLst>
           </p:cNvPr>
-          <p:cNvSpPr txBox="1"/>
+          <p:cNvGrpSpPr/>
           <p:nvPr/>
-        </p:nvSpPr>
-        <p:spPr>
+        </p:nvGrpSpPr>
+        <p:grpSpPr>
           <a:xfrm>
-            <a:off x="1563426" y="4079729"/>
-            <a:ext cx="1138773" cy="3507242"/>
+            <a:off x="9576595" y="3140902"/>
+            <a:ext cx="1138773" cy="3588151"/>
+            <a:chOff x="260286" y="3998820"/>
+            <a:chExt cx="1138773" cy="3588151"/>
           </a:xfrm>
-          <a:prstGeom prst="rect">
-            <a:avLst/>
-          </a:prstGeom>
-          <a:noFill/>
-        </p:spPr>
-        <p:txBody>
-          <a:bodyPr vert="eaVert" wrap="none" rtlCol="0">
-            <a:spAutoFit/>
-          </a:bodyPr>
-          <a:lstStyle/>
-          <a:p>
-            <a:r>
-              <a:rPr lang="en-US" altLang="zh-CN" dirty="0">
+        </p:grpSpPr>
+        <p:sp>
+          <p:nvSpPr>
+            <p:cNvPr id="4" name="文本框 3">
+              <a:extLst>
+                <a:ext uri="{FF2B5EF4-FFF2-40B4-BE49-F238E27FC236}">
+                  <a16:creationId xmlns:a16="http://schemas.microsoft.com/office/drawing/2014/main" id="{685E0ED0-B2C2-4000-B297-83A912F2E4A7}"/>
+                </a:ext>
+              </a:extLst>
+            </p:cNvPr>
+            <p:cNvSpPr txBox="1"/>
+            <p:nvPr/>
+          </p:nvSpPr>
+          <p:spPr>
+            <a:xfrm>
+              <a:off x="260286" y="4079729"/>
+              <a:ext cx="1138773" cy="3507242"/>
+            </a:xfrm>
+            <a:prstGeom prst="rect">
+              <a:avLst/>
+            </a:prstGeom>
+            <a:noFill/>
+          </p:spPr>
+          <p:txBody>
+            <a:bodyPr vert="eaVert" wrap="square" rtlCol="0">
+              <a:spAutoFit/>
+            </a:bodyPr>
+            <a:lstStyle/>
+            <a:p>
+              <a:r>
+                <a:rPr lang="en-US" altLang="zh-CN" dirty="0">
+                  <a:solidFill>
+                    <a:schemeClr val="tx1">
+                      <a:lumMod val="85000"/>
+                      <a:lumOff val="15000"/>
+                    </a:schemeClr>
+                  </a:solidFill>
+                  <a:latin typeface="Arial Black" panose="020B0A04020102020204" pitchFamily="34" charset="0"/>
+                </a:rPr>
+                <a:t>All Codes are generated by</a:t>
+              </a:r>
+            </a:p>
+            <a:p>
+              <a:r>
+                <a:rPr lang="en-US" altLang="zh-CN" sz="4400" dirty="0">
+                  <a:solidFill>
+                    <a:schemeClr val="tx1">
+                      <a:lumMod val="85000"/>
+                      <a:lumOff val="15000"/>
+                    </a:schemeClr>
+                  </a:solidFill>
+                  <a:latin typeface="Arial Black" panose="020B0A04020102020204" pitchFamily="34" charset="0"/>
+                </a:rPr>
+                <a:t>    PYTHON</a:t>
+              </a:r>
+              <a:endParaRPr lang="zh-CN" altLang="en-US" sz="4400" dirty="0">
                 <a:solidFill>
                   <a:schemeClr val="tx1">
                     <a:lumMod val="85000"/>
@@ -3447,70 +3478,46 @@
                   </a:schemeClr>
                 </a:solidFill>
                 <a:latin typeface="Arial Black" panose="020B0A04020102020204" pitchFamily="34" charset="0"/>
-              </a:rPr>
-              <a:t>All Codes are generated by</a:t>
-            </a:r>
-          </a:p>
-          <a:p>
-            <a:r>
-              <a:rPr lang="en-US" altLang="zh-CN" sz="4400" dirty="0">
-                <a:solidFill>
-                  <a:schemeClr val="tx1">
-                    <a:lumMod val="85000"/>
-                    <a:lumOff val="15000"/>
-                  </a:schemeClr>
-                </a:solidFill>
-                <a:latin typeface="Arial Black" panose="020B0A04020102020204" pitchFamily="34" charset="0"/>
-              </a:rPr>
-              <a:t>    PYTHON</a:t>
-            </a:r>
-            <a:endParaRPr lang="zh-CN" altLang="en-US" sz="4400" dirty="0">
-              <a:solidFill>
-                <a:schemeClr val="tx1">
-                  <a:lumMod val="85000"/>
-                  <a:lumOff val="15000"/>
-                </a:schemeClr>
-              </a:solidFill>
-              <a:latin typeface="Arial Black" panose="020B0A04020102020204" pitchFamily="34" charset="0"/>
-            </a:endParaRPr>
-          </a:p>
-        </p:txBody>
-      </p:sp>
-      <p:pic>
-        <p:nvPicPr>
-          <p:cNvPr id="11" name="图片 10">
-            <a:extLst>
-              <a:ext uri="{FF2B5EF4-FFF2-40B4-BE49-F238E27FC236}">
-                <a16:creationId xmlns:a16="http://schemas.microsoft.com/office/drawing/2014/main" id="{76199B69-90B8-48B4-B0C5-7565FC2ED4FD}"/>
-              </a:ext>
-            </a:extLst>
-          </p:cNvPr>
-          <p:cNvPicPr>
-            <a:picLocks noChangeAspect="1"/>
-          </p:cNvPicPr>
-          <p:nvPr/>
-        </p:nvPicPr>
-        <p:blipFill rotWithShape="1">
-          <a:blip r:embed="rId3">
-            <a:extLst>
-              <a:ext uri="{28A0092B-C50C-407E-A947-70E740481C1C}">
-                <a14:useLocalDpi xmlns:a14="http://schemas.microsoft.com/office/drawing/2010/main" val="0"/>
-              </a:ext>
-            </a:extLst>
-          </a:blip>
-          <a:srcRect r="74460"/>
-          <a:stretch/>
-        </p:blipFill>
-        <p:spPr>
-          <a:xfrm>
-            <a:off x="1655095" y="4079729"/>
-            <a:ext cx="698072" cy="772853"/>
-          </a:xfrm>
-          <a:prstGeom prst="rect">
-            <a:avLst/>
-          </a:prstGeom>
-        </p:spPr>
-      </p:pic>
+              </a:endParaRPr>
+            </a:p>
+          </p:txBody>
+        </p:sp>
+        <p:pic>
+          <p:nvPicPr>
+            <p:cNvPr id="11" name="图片 10">
+              <a:extLst>
+                <a:ext uri="{FF2B5EF4-FFF2-40B4-BE49-F238E27FC236}">
+                  <a16:creationId xmlns:a16="http://schemas.microsoft.com/office/drawing/2014/main" id="{76199B69-90B8-48B4-B0C5-7565FC2ED4FD}"/>
+                </a:ext>
+              </a:extLst>
+            </p:cNvPr>
+            <p:cNvPicPr>
+              <a:picLocks noChangeAspect="1"/>
+            </p:cNvPicPr>
+            <p:nvPr/>
+          </p:nvPicPr>
+          <p:blipFill rotWithShape="1">
+            <a:blip r:embed="rId3">
+              <a:extLst>
+                <a:ext uri="{28A0092B-C50C-407E-A947-70E740481C1C}">
+                  <a14:useLocalDpi xmlns:a14="http://schemas.microsoft.com/office/drawing/2010/main" val="0"/>
+                </a:ext>
+              </a:extLst>
+            </a:blip>
+            <a:srcRect r="74460"/>
+            <a:stretch/>
+          </p:blipFill>
+          <p:spPr>
+            <a:xfrm>
+              <a:off x="351952" y="3998820"/>
+              <a:ext cx="698072" cy="772853"/>
+            </a:xfrm>
+            <a:prstGeom prst="rect">
+              <a:avLst/>
+            </a:prstGeom>
+          </p:spPr>
+        </p:pic>
+      </p:grpSp>
     </p:spTree>
     <p:extLst>
       <p:ext uri="{BB962C8B-B14F-4D97-AF65-F5344CB8AC3E}">
